--- a/Planning/Project-Log.pptx
+++ b/Planning/Project-Log.pptx
@@ -7,7 +7,10 @@
   <p:sldIdLst>
     <p:sldId id="256" r:id="rId2"/>
     <p:sldId id="258" r:id="rId3"/>
-    <p:sldId id="257" r:id="rId4"/>
+    <p:sldId id="259" r:id="rId4"/>
+    <p:sldId id="261" r:id="rId5"/>
+    <p:sldId id="260" r:id="rId6"/>
+    <p:sldId id="257" r:id="rId7"/>
   </p:sldIdLst>
   <p:sldSz cx="12192000" cy="6858000"/>
   <p:notesSz cx="6858000" cy="9144000"/>
@@ -4222,12 +4225,14 @@
         </p:nvSpPr>
         <p:spPr>
           <a:xfrm>
-            <a:off x="581192" y="2340864"/>
-            <a:ext cx="11029615" cy="3634486"/>
-          </a:xfrm>
-        </p:spPr>
-        <p:txBody>
-          <a:bodyPr anchor="t"/>
+            <a:off x="581193" y="2340864"/>
+            <a:ext cx="5945732" cy="3634486"/>
+          </a:xfrm>
+        </p:spPr>
+        <p:txBody>
+          <a:bodyPr anchor="t">
+            <a:normAutofit lnSpcReduction="10000"/>
+          </a:bodyPr>
           <a:lstStyle/>
           <a:p>
             <a:pPr marL="0" indent="0">
@@ -4308,6 +4313,178 @@
               <a:buNone/>
             </a:pPr>
             <a:endParaRPr lang="en-US" dirty="0"/>
+          </a:p>
+        </p:txBody>
+      </p:sp>
+      <p:sp>
+        <p:nvSpPr>
+          <p:cNvPr id="5" name="Rectangle 4">
+            <a:extLst>
+              <a:ext uri="{FF2B5EF4-FFF2-40B4-BE49-F238E27FC236}">
+                <a16:creationId xmlns:a16="http://schemas.microsoft.com/office/drawing/2014/main" id="{9AA23B20-256C-614E-A051-54062110229F}"/>
+              </a:ext>
+            </a:extLst>
+          </p:cNvPr>
+          <p:cNvSpPr/>
+          <p:nvPr/>
+        </p:nvSpPr>
+        <p:spPr>
+          <a:xfrm>
+            <a:off x="9067303" y="2731701"/>
+            <a:ext cx="2543504" cy="3076249"/>
+          </a:xfrm>
+          <a:prstGeom prst="rect">
+            <a:avLst/>
+          </a:prstGeom>
+        </p:spPr>
+        <p:style>
+          <a:lnRef idx="2">
+            <a:schemeClr val="accent1">
+              <a:shade val="50000"/>
+            </a:schemeClr>
+          </a:lnRef>
+          <a:fillRef idx="1">
+            <a:schemeClr val="accent1"/>
+          </a:fillRef>
+          <a:effectRef idx="0">
+            <a:schemeClr val="accent1"/>
+          </a:effectRef>
+          <a:fontRef idx="minor">
+            <a:schemeClr val="lt1"/>
+          </a:fontRef>
+        </p:style>
+        <p:txBody>
+          <a:bodyPr rtlCol="0" anchor="ctr"/>
+          <a:lstStyle/>
+          <a:p>
+            <a:pPr algn="ctr"/>
+            <a:r>
+              <a:rPr lang="en-US" dirty="0"/>
+              <a:t>Dashboard</a:t>
+            </a:r>
+          </a:p>
+        </p:txBody>
+      </p:sp>
+      <p:sp>
+        <p:nvSpPr>
+          <p:cNvPr id="6" name="Rectangle 5">
+            <a:extLst>
+              <a:ext uri="{FF2B5EF4-FFF2-40B4-BE49-F238E27FC236}">
+                <a16:creationId xmlns:a16="http://schemas.microsoft.com/office/drawing/2014/main" id="{7A651C7A-2CC7-E441-81EE-8214D9E278DE}"/>
+              </a:ext>
+            </a:extLst>
+          </p:cNvPr>
+          <p:cNvSpPr/>
+          <p:nvPr/>
+        </p:nvSpPr>
+        <p:spPr>
+          <a:xfrm>
+            <a:off x="6526925" y="2731701"/>
+            <a:ext cx="2543503" cy="3076249"/>
+          </a:xfrm>
+          <a:prstGeom prst="rect">
+            <a:avLst/>
+          </a:prstGeom>
+          <a:solidFill>
+            <a:schemeClr val="tx2">
+              <a:lumMod val="50000"/>
+              <a:lumOff val="50000"/>
+            </a:schemeClr>
+          </a:solidFill>
+          <a:ln>
+            <a:solidFill>
+              <a:schemeClr val="tx1"/>
+            </a:solidFill>
+          </a:ln>
+        </p:spPr>
+        <p:style>
+          <a:lnRef idx="2">
+            <a:schemeClr val="accent1">
+              <a:shade val="50000"/>
+            </a:schemeClr>
+          </a:lnRef>
+          <a:fillRef idx="1">
+            <a:schemeClr val="accent1"/>
+          </a:fillRef>
+          <a:effectRef idx="0">
+            <a:schemeClr val="accent1"/>
+          </a:effectRef>
+          <a:fontRef idx="minor">
+            <a:schemeClr val="lt1"/>
+          </a:fontRef>
+        </p:style>
+        <p:txBody>
+          <a:bodyPr rtlCol="0" anchor="ctr"/>
+          <a:lstStyle/>
+          <a:p>
+            <a:pPr algn="ctr"/>
+            <a:r>
+              <a:rPr lang="en-US" dirty="0"/>
+              <a:t>Mapping</a:t>
+            </a:r>
+          </a:p>
+        </p:txBody>
+      </p:sp>
+      <p:sp>
+        <p:nvSpPr>
+          <p:cNvPr id="7" name="Rectangle 6">
+            <a:extLst>
+              <a:ext uri="{FF2B5EF4-FFF2-40B4-BE49-F238E27FC236}">
+                <a16:creationId xmlns:a16="http://schemas.microsoft.com/office/drawing/2014/main" id="{305C7A29-28D6-4D40-9EDD-30C98443B772}"/>
+              </a:ext>
+            </a:extLst>
+          </p:cNvPr>
+          <p:cNvSpPr/>
+          <p:nvPr/>
+        </p:nvSpPr>
+        <p:spPr>
+          <a:xfrm>
+            <a:off x="6526924" y="2217683"/>
+            <a:ext cx="5083882" cy="514018"/>
+          </a:xfrm>
+          <a:prstGeom prst="rect">
+            <a:avLst/>
+          </a:prstGeom>
+          <a:solidFill>
+            <a:schemeClr val="bg1">
+              <a:lumMod val="95000"/>
+            </a:schemeClr>
+          </a:solidFill>
+          <a:ln>
+            <a:solidFill>
+              <a:schemeClr val="tx1"/>
+            </a:solidFill>
+          </a:ln>
+        </p:spPr>
+        <p:style>
+          <a:lnRef idx="2">
+            <a:schemeClr val="accent1">
+              <a:shade val="50000"/>
+            </a:schemeClr>
+          </a:lnRef>
+          <a:fillRef idx="1">
+            <a:schemeClr val="accent1"/>
+          </a:fillRef>
+          <a:effectRef idx="0">
+            <a:schemeClr val="accent1"/>
+          </a:effectRef>
+          <a:fontRef idx="minor">
+            <a:schemeClr val="lt1"/>
+          </a:fontRef>
+        </p:style>
+        <p:txBody>
+          <a:bodyPr rtlCol="0" anchor="ctr"/>
+          <a:lstStyle/>
+          <a:p>
+            <a:pPr algn="ctr"/>
+            <a:r>
+              <a:rPr lang="en-US" dirty="0">
+                <a:solidFill>
+                  <a:sysClr val="windowText" lastClr="000000"/>
+                </a:solidFill>
+              </a:rPr>
+              <a:t>Header</a:t>
+            </a:r>
           </a:p>
         </p:txBody>
       </p:sp>
@@ -4346,6 +4523,306 @@
           <p:cNvPr id="2" name="Title 1">
             <a:extLst>
               <a:ext uri="{FF2B5EF4-FFF2-40B4-BE49-F238E27FC236}">
+                <a16:creationId xmlns:a16="http://schemas.microsoft.com/office/drawing/2014/main" id="{C2C4F8A7-C72C-4149-94B9-FA6CBDF26AAF}"/>
+              </a:ext>
+            </a:extLst>
+          </p:cNvPr>
+          <p:cNvSpPr>
+            <a:spLocks noGrp="1"/>
+          </p:cNvSpPr>
+          <p:nvPr>
+            <p:ph type="title"/>
+          </p:nvPr>
+        </p:nvSpPr>
+        <p:spPr/>
+        <p:txBody>
+          <a:bodyPr/>
+          <a:lstStyle/>
+          <a:p>
+            <a:r>
+              <a:rPr lang="en-US" dirty="0"/>
+              <a:t>Map Plotting Concept</a:t>
+            </a:r>
+          </a:p>
+        </p:txBody>
+      </p:sp>
+      <p:sp>
+        <p:nvSpPr>
+          <p:cNvPr id="4" name="Content Placeholder 2">
+            <a:extLst>
+              <a:ext uri="{FF2B5EF4-FFF2-40B4-BE49-F238E27FC236}">
+                <a16:creationId xmlns:a16="http://schemas.microsoft.com/office/drawing/2014/main" id="{26E039AB-8124-DB4A-BA07-C88AEC0CFEA6}"/>
+              </a:ext>
+            </a:extLst>
+          </p:cNvPr>
+          <p:cNvSpPr>
+            <a:spLocks noGrp="1"/>
+          </p:cNvSpPr>
+          <p:nvPr>
+            <p:ph idx="1"/>
+          </p:nvPr>
+        </p:nvSpPr>
+        <p:spPr>
+          <a:xfrm>
+            <a:off x="581192" y="2340864"/>
+            <a:ext cx="11029615" cy="3634486"/>
+          </a:xfrm>
+        </p:spPr>
+        <p:txBody>
+          <a:bodyPr anchor="t"/>
+          <a:lstStyle/>
+          <a:p>
+            <a:pPr marL="0" indent="0">
+              <a:buNone/>
+            </a:pPr>
+            <a:r>
+              <a:rPr lang="en-US" dirty="0"/>
+              <a:t>The leaflet/map plotting side will contain the following functionality;</a:t>
+            </a:r>
+          </a:p>
+          <a:p>
+            <a:pPr marL="0" indent="0">
+              <a:buNone/>
+            </a:pPr>
+            <a:endParaRPr lang="en-US" dirty="0"/>
+          </a:p>
+        </p:txBody>
+      </p:sp>
+    </p:spTree>
+    <p:extLst>
+      <p:ext uri="{BB962C8B-B14F-4D97-AF65-F5344CB8AC3E}">
+        <p14:creationId xmlns:p14="http://schemas.microsoft.com/office/powerpoint/2010/main" val="4166493501"/>
+      </p:ext>
+    </p:extLst>
+  </p:cSld>
+  <p:clrMapOvr>
+    <a:masterClrMapping/>
+  </p:clrMapOvr>
+</p:sld>
+</file>
+
+<file path=ppt/slides/slide4.xml><?xml version="1.0" encoding="utf-8"?>
+<p:sld xmlns:a="http://schemas.openxmlformats.org/drawingml/2006/main" xmlns:r="http://schemas.openxmlformats.org/officeDocument/2006/relationships" xmlns:p="http://schemas.openxmlformats.org/presentationml/2006/main">
+  <p:cSld>
+    <p:spTree>
+      <p:nvGrpSpPr>
+        <p:cNvPr id="1" name=""/>
+        <p:cNvGrpSpPr/>
+        <p:nvPr/>
+      </p:nvGrpSpPr>
+      <p:grpSpPr>
+        <a:xfrm>
+          <a:off x="0" y="0"/>
+          <a:ext cx="0" cy="0"/>
+          <a:chOff x="0" y="0"/>
+          <a:chExt cx="0" cy="0"/>
+        </a:xfrm>
+      </p:grpSpPr>
+      <p:sp>
+        <p:nvSpPr>
+          <p:cNvPr id="2" name="Title 1">
+            <a:extLst>
+              <a:ext uri="{FF2B5EF4-FFF2-40B4-BE49-F238E27FC236}">
+                <a16:creationId xmlns:a16="http://schemas.microsoft.com/office/drawing/2014/main" id="{C2C4F8A7-C72C-4149-94B9-FA6CBDF26AAF}"/>
+              </a:ext>
+            </a:extLst>
+          </p:cNvPr>
+          <p:cNvSpPr>
+            <a:spLocks noGrp="1"/>
+          </p:cNvSpPr>
+          <p:nvPr>
+            <p:ph type="title"/>
+          </p:nvPr>
+        </p:nvSpPr>
+        <p:spPr/>
+        <p:txBody>
+          <a:bodyPr/>
+          <a:lstStyle/>
+          <a:p>
+            <a:r>
+              <a:rPr lang="en-US" dirty="0"/>
+              <a:t>Dashboard Concept</a:t>
+            </a:r>
+          </a:p>
+        </p:txBody>
+      </p:sp>
+      <p:sp>
+        <p:nvSpPr>
+          <p:cNvPr id="4" name="Content Placeholder 2">
+            <a:extLst>
+              <a:ext uri="{FF2B5EF4-FFF2-40B4-BE49-F238E27FC236}">
+                <a16:creationId xmlns:a16="http://schemas.microsoft.com/office/drawing/2014/main" id="{26E039AB-8124-DB4A-BA07-C88AEC0CFEA6}"/>
+              </a:ext>
+            </a:extLst>
+          </p:cNvPr>
+          <p:cNvSpPr>
+            <a:spLocks noGrp="1"/>
+          </p:cNvSpPr>
+          <p:nvPr>
+            <p:ph idx="1"/>
+          </p:nvPr>
+        </p:nvSpPr>
+        <p:spPr>
+          <a:xfrm>
+            <a:off x="581192" y="2340864"/>
+            <a:ext cx="11029615" cy="3634486"/>
+          </a:xfrm>
+        </p:spPr>
+        <p:txBody>
+          <a:bodyPr anchor="t"/>
+          <a:lstStyle/>
+          <a:p>
+            <a:pPr marL="0" indent="0">
+              <a:buNone/>
+            </a:pPr>
+            <a:r>
+              <a:rPr lang="en-US" dirty="0"/>
+              <a:t>The leaflet/map plotting side will contain the following functionality;</a:t>
+            </a:r>
+          </a:p>
+          <a:p>
+            <a:pPr marL="0" indent="0">
+              <a:buNone/>
+            </a:pPr>
+            <a:endParaRPr lang="en-US" dirty="0"/>
+          </a:p>
+        </p:txBody>
+      </p:sp>
+    </p:spTree>
+    <p:extLst>
+      <p:ext uri="{BB962C8B-B14F-4D97-AF65-F5344CB8AC3E}">
+        <p14:creationId xmlns:p14="http://schemas.microsoft.com/office/powerpoint/2010/main" val="2324967691"/>
+      </p:ext>
+    </p:extLst>
+  </p:cSld>
+  <p:clrMapOvr>
+    <a:masterClrMapping/>
+  </p:clrMapOvr>
+</p:sld>
+</file>
+
+<file path=ppt/slides/slide5.xml><?xml version="1.0" encoding="utf-8"?>
+<p:sld xmlns:a="http://schemas.openxmlformats.org/drawingml/2006/main" xmlns:r="http://schemas.openxmlformats.org/officeDocument/2006/relationships" xmlns:p="http://schemas.openxmlformats.org/presentationml/2006/main">
+  <p:cSld>
+    <p:spTree>
+      <p:nvGrpSpPr>
+        <p:cNvPr id="1" name=""/>
+        <p:cNvGrpSpPr/>
+        <p:nvPr/>
+      </p:nvGrpSpPr>
+      <p:grpSpPr>
+        <a:xfrm>
+          <a:off x="0" y="0"/>
+          <a:ext cx="0" cy="0"/>
+          <a:chOff x="0" y="0"/>
+          <a:chExt cx="0" cy="0"/>
+        </a:xfrm>
+      </p:grpSpPr>
+      <p:sp>
+        <p:nvSpPr>
+          <p:cNvPr id="2" name="Title 1">
+            <a:extLst>
+              <a:ext uri="{FF2B5EF4-FFF2-40B4-BE49-F238E27FC236}">
+                <a16:creationId xmlns:a16="http://schemas.microsoft.com/office/drawing/2014/main" id="{C2C4F8A7-C72C-4149-94B9-FA6CBDF26AAF}"/>
+              </a:ext>
+            </a:extLst>
+          </p:cNvPr>
+          <p:cNvSpPr>
+            <a:spLocks noGrp="1"/>
+          </p:cNvSpPr>
+          <p:nvPr>
+            <p:ph type="title"/>
+          </p:nvPr>
+        </p:nvSpPr>
+        <p:spPr/>
+        <p:txBody>
+          <a:bodyPr/>
+          <a:lstStyle/>
+          <a:p>
+            <a:r>
+              <a:rPr lang="en-US" dirty="0"/>
+              <a:t>Database Structure</a:t>
+            </a:r>
+          </a:p>
+        </p:txBody>
+      </p:sp>
+      <p:sp>
+        <p:nvSpPr>
+          <p:cNvPr id="7" name="Content Placeholder 2">
+            <a:extLst>
+              <a:ext uri="{FF2B5EF4-FFF2-40B4-BE49-F238E27FC236}">
+                <a16:creationId xmlns:a16="http://schemas.microsoft.com/office/drawing/2014/main" id="{4A347B63-6A8B-8141-929F-8AF57917E763}"/>
+              </a:ext>
+            </a:extLst>
+          </p:cNvPr>
+          <p:cNvSpPr>
+            <a:spLocks noGrp="1"/>
+          </p:cNvSpPr>
+          <p:nvPr>
+            <p:ph idx="1"/>
+          </p:nvPr>
+        </p:nvSpPr>
+        <p:spPr>
+          <a:xfrm>
+            <a:off x="581192" y="2340864"/>
+            <a:ext cx="11029615" cy="3634486"/>
+          </a:xfrm>
+        </p:spPr>
+        <p:txBody>
+          <a:bodyPr anchor="t"/>
+          <a:lstStyle/>
+          <a:p>
+            <a:pPr marL="0" indent="0">
+              <a:buNone/>
+            </a:pPr>
+            <a:r>
+              <a:rPr lang="en-US" dirty="0"/>
+              <a:t>The leaflet/map plotting side will contain the following functionality;</a:t>
+            </a:r>
+          </a:p>
+          <a:p>
+            <a:pPr marL="0" indent="0">
+              <a:buNone/>
+            </a:pPr>
+            <a:endParaRPr lang="en-US" dirty="0"/>
+          </a:p>
+        </p:txBody>
+      </p:sp>
+    </p:spTree>
+    <p:extLst>
+      <p:ext uri="{BB962C8B-B14F-4D97-AF65-F5344CB8AC3E}">
+        <p14:creationId xmlns:p14="http://schemas.microsoft.com/office/powerpoint/2010/main" val="3529640854"/>
+      </p:ext>
+    </p:extLst>
+  </p:cSld>
+  <p:clrMapOvr>
+    <a:masterClrMapping/>
+  </p:clrMapOvr>
+</p:sld>
+</file>
+
+<file path=ppt/slides/slide6.xml><?xml version="1.0" encoding="utf-8"?>
+<p:sld xmlns:a="http://schemas.openxmlformats.org/drawingml/2006/main" xmlns:r="http://schemas.openxmlformats.org/officeDocument/2006/relationships" xmlns:p="http://schemas.openxmlformats.org/presentationml/2006/main">
+  <p:cSld>
+    <p:spTree>
+      <p:nvGrpSpPr>
+        <p:cNvPr id="1" name=""/>
+        <p:cNvGrpSpPr/>
+        <p:nvPr/>
+      </p:nvGrpSpPr>
+      <p:grpSpPr>
+        <a:xfrm>
+          <a:off x="0" y="0"/>
+          <a:ext cx="0" cy="0"/>
+          <a:chOff x="0" y="0"/>
+          <a:chExt cx="0" cy="0"/>
+        </a:xfrm>
+      </p:grpSpPr>
+      <p:sp>
+        <p:nvSpPr>
+          <p:cNvPr id="2" name="Title 1">
+            <a:extLst>
+              <a:ext uri="{FF2B5EF4-FFF2-40B4-BE49-F238E27FC236}">
                 <a16:creationId xmlns:a16="http://schemas.microsoft.com/office/drawing/2014/main" id="{DC4E6AA7-F6F5-2249-860C-8201B9CF364C}"/>
               </a:ext>
             </a:extLst>
@@ -4441,15 +4918,25 @@
               <a:rPr lang="en-US" dirty="0">
                 <a:hlinkClick r:id="rId3"/>
               </a:rPr>
-              <a:t>https://data.cityofchicago.org/Buildings/Vacant-and-Abandoned-Buildings-Violations/kc9i-wq85</a:t>
-            </a:r>
-            <a:endParaRPr lang="en-US" dirty="0"/>
+              <a:t>https://data.cityofchicago.org</a:t>
+            </a:r>
+            <a:r>
+              <a:rPr lang="en-US">
+                <a:hlinkClick r:id="rId3"/>
+              </a:rPr>
+              <a:t>/Health-Human-Services/Census-Data-Selected-socioeconomic-indicators-in-C/kn9c-c2s2 </a:t>
+            </a:r>
+            <a:endParaRPr lang="en-US"/>
           </a:p>
           <a:p>
             <a:pPr lvl="1"/>
             <a:r>
+              <a:rPr lang="en-US"/>
+              <a:t>API </a:t>
+            </a:r>
+            <a:r>
               <a:rPr lang="en-US" dirty="0"/>
-              <a:t>API ENDPOINT: https://</a:t>
+              <a:t>ENDPOINT: https://</a:t>
             </a:r>
             <a:r>
               <a:rPr lang="en-US" dirty="0" err="1"/>
